--- a/part1/Figures/collections/product-hashset.pptx
+++ b/part1/Figures/collections/product-hashset.pptx
@@ -289,7 +289,7 @@
             <a:fld id="{937E53BE-4F8D-4A46-AEB3-F2DF64371628}" type="datetimeFigureOut">
               <a:rPr lang="en-US" smtClean="0"/>
               <a:pPr/>
-              <a:t>4/4/11</a:t>
+              <a:t>4/19/11</a:t>
             </a:fld>
             <a:endParaRPr lang="en-US"/>
           </a:p>
@@ -456,7 +456,7 @@
             <a:fld id="{937E53BE-4F8D-4A46-AEB3-F2DF64371628}" type="datetimeFigureOut">
               <a:rPr lang="en-US" smtClean="0"/>
               <a:pPr/>
-              <a:t>4/4/11</a:t>
+              <a:t>4/19/11</a:t>
             </a:fld>
             <a:endParaRPr lang="en-US"/>
           </a:p>
@@ -633,7 +633,7 @@
             <a:fld id="{937E53BE-4F8D-4A46-AEB3-F2DF64371628}" type="datetimeFigureOut">
               <a:rPr lang="en-US" smtClean="0"/>
               <a:pPr/>
-              <a:t>4/4/11</a:t>
+              <a:t>4/19/11</a:t>
             </a:fld>
             <a:endParaRPr lang="en-US"/>
           </a:p>
@@ -800,7 +800,7 @@
             <a:fld id="{937E53BE-4F8D-4A46-AEB3-F2DF64371628}" type="datetimeFigureOut">
               <a:rPr lang="en-US" smtClean="0"/>
               <a:pPr/>
-              <a:t>4/4/11</a:t>
+              <a:t>4/19/11</a:t>
             </a:fld>
             <a:endParaRPr lang="en-US"/>
           </a:p>
@@ -1043,7 +1043,7 @@
             <a:fld id="{937E53BE-4F8D-4A46-AEB3-F2DF64371628}" type="datetimeFigureOut">
               <a:rPr lang="en-US" smtClean="0"/>
               <a:pPr/>
-              <a:t>4/4/11</a:t>
+              <a:t>4/19/11</a:t>
             </a:fld>
             <a:endParaRPr lang="en-US"/>
           </a:p>
@@ -1328,7 +1328,7 @@
             <a:fld id="{937E53BE-4F8D-4A46-AEB3-F2DF64371628}" type="datetimeFigureOut">
               <a:rPr lang="en-US" smtClean="0"/>
               <a:pPr/>
-              <a:t>4/4/11</a:t>
+              <a:t>4/19/11</a:t>
             </a:fld>
             <a:endParaRPr lang="en-US"/>
           </a:p>
@@ -1747,7 +1747,7 @@
             <a:fld id="{937E53BE-4F8D-4A46-AEB3-F2DF64371628}" type="datetimeFigureOut">
               <a:rPr lang="en-US" smtClean="0"/>
               <a:pPr/>
-              <a:t>4/4/11</a:t>
+              <a:t>4/19/11</a:t>
             </a:fld>
             <a:endParaRPr lang="en-US"/>
           </a:p>
@@ -1862,7 +1862,7 @@
             <a:fld id="{937E53BE-4F8D-4A46-AEB3-F2DF64371628}" type="datetimeFigureOut">
               <a:rPr lang="en-US" smtClean="0"/>
               <a:pPr/>
-              <a:t>4/4/11</a:t>
+              <a:t>4/19/11</a:t>
             </a:fld>
             <a:endParaRPr lang="en-US"/>
           </a:p>
@@ -1954,7 +1954,7 @@
             <a:fld id="{937E53BE-4F8D-4A46-AEB3-F2DF64371628}" type="datetimeFigureOut">
               <a:rPr lang="en-US" smtClean="0"/>
               <a:pPr/>
-              <a:t>4/4/11</a:t>
+              <a:t>4/19/11</a:t>
             </a:fld>
             <a:endParaRPr lang="en-US"/>
           </a:p>
@@ -2228,7 +2228,7 @@
             <a:fld id="{937E53BE-4F8D-4A46-AEB3-F2DF64371628}" type="datetimeFigureOut">
               <a:rPr lang="en-US" smtClean="0"/>
               <a:pPr/>
-              <a:t>4/4/11</a:t>
+              <a:t>4/19/11</a:t>
             </a:fld>
             <a:endParaRPr lang="en-US"/>
           </a:p>
@@ -2478,7 +2478,7 @@
             <a:fld id="{937E53BE-4F8D-4A46-AEB3-F2DF64371628}" type="datetimeFigureOut">
               <a:rPr lang="en-US" smtClean="0"/>
               <a:pPr/>
-              <a:t>4/4/11</a:t>
+              <a:t>4/19/11</a:t>
             </a:fld>
             <a:endParaRPr lang="en-US"/>
           </a:p>
@@ -2688,7 +2688,7 @@
             <a:fld id="{937E53BE-4F8D-4A46-AEB3-F2DF64371628}" type="datetimeFigureOut">
               <a:rPr lang="en-US" smtClean="0"/>
               <a:pPr/>
-              <a:t>4/4/11</a:t>
+              <a:t>4/19/11</a:t>
             </a:fld>
             <a:endParaRPr lang="en-US"/>
           </a:p>
@@ -3329,7 +3329,7 @@
         <p:spPr>
           <a:xfrm>
             <a:off x="3581336" y="2817484"/>
-            <a:ext cx="1836873" cy="523220"/>
+            <a:ext cx="1821445" cy="523220"/>
           </a:xfrm>
           <a:prstGeom prst="rect">
             <a:avLst/>
@@ -3344,11 +3344,7 @@
           <a:p>
             <a:r>
               <a:rPr lang="en-US" sz="1400" dirty="0" smtClean="0"/>
-              <a:t>        </a:t>
-            </a:r>
-            <a:r>
-              <a:rPr lang="en-US" sz="1400" dirty="0" smtClean="0"/>
-              <a:t> </a:t>
+              <a:t>         </a:t>
             </a:r>
             <a:r>
               <a:rPr lang="en-US" sz="1400" dirty="0" err="1" smtClean="0"/>
@@ -3359,19 +3355,15 @@
           <a:p>
             <a:r>
               <a:rPr lang="en-US" sz="1400" i="1" dirty="0" smtClean="0"/>
-              <a:t>X100,000 =</a:t>
+              <a:t>x</a:t>
             </a:r>
             <a:r>
               <a:rPr lang="en-US" sz="1400" i="1" dirty="0" smtClean="0"/>
-              <a:t> </a:t>
+              <a:t>100,000 </a:t>
             </a:r>
             <a:r>
               <a:rPr lang="en-US" sz="1400" i="1" dirty="0" smtClean="0"/>
-              <a:t>22.125</a:t>
-            </a:r>
-            <a:r>
-              <a:rPr lang="en-US" sz="1400" i="1" dirty="0" smtClean="0"/>
-              <a:t>MB</a:t>
+              <a:t>= 22.125MB</a:t>
             </a:r>
             <a:endParaRPr lang="en-US" sz="1400" i="1" dirty="0"/>
           </a:p>

--- a/part1/Figures/collections/product-hashset.pptx
+++ b/part1/Figures/collections/product-hashset.pptx
@@ -1,6 +1,6 @@
 
 <file path=ppt/presentation.xml><?xml version="1.0" encoding="utf-8"?>
-<p:presentation xmlns:a="http://schemas.openxmlformats.org/drawingml/2006/main" xmlns:r="http://schemas.openxmlformats.org/officeDocument/2006/relationships" xmlns:mc="http://schemas.openxmlformats.org/markup-compatibility/2006" xmlns:mv="urn:schemas-microsoft-com:mac:vml" xmlns:p="http://schemas.openxmlformats.org/presentationml/2006/main" mc:Ignorable="mv" mc:PreserveAttributes="mv:*" saveSubsetFonts="1" autoCompressPictures="0">
+<p:presentation xmlns:a="http://schemas.openxmlformats.org/drawingml/2006/main" xmlns:r="http://schemas.openxmlformats.org/officeDocument/2006/relationships" xmlns:p="http://schemas.openxmlformats.org/presentationml/2006/main" saveSubsetFonts="1" autoCompressPictures="0">
   <p:sldMasterIdLst>
     <p:sldMasterId id="2147483648" r:id="rId1"/>
   </p:sldMasterIdLst>
@@ -13,94 +13,124 @@
     <a:defPPr>
       <a:defRPr lang="en-US"/>
     </a:defPPr>
-    <a:lvl1pPr marL="0" algn="l" defTabSz="457200" rtl="0" eaLnBrk="1" latinLnBrk="0" hangingPunct="1">
-      <a:defRPr sz="1800" kern="1200">
+    <a:lvl1pPr algn="l" defTabSz="457200" rtl="0" fontAlgn="base">
+      <a:spcBef>
+        <a:spcPct val="0"/>
+      </a:spcBef>
+      <a:spcAft>
+        <a:spcPct val="0"/>
+      </a:spcAft>
+      <a:defRPr kern="1200">
         <a:solidFill>
           <a:schemeClr val="tx1"/>
         </a:solidFill>
-        <a:latin typeface="+mn-lt"/>
+        <a:latin typeface="Arial" charset="0"/>
         <a:ea typeface="+mn-ea"/>
-        <a:cs typeface="+mn-cs"/>
+        <a:cs typeface="Arial" charset="0"/>
       </a:defRPr>
     </a:lvl1pPr>
-    <a:lvl2pPr marL="457200" algn="l" defTabSz="457200" rtl="0" eaLnBrk="1" latinLnBrk="0" hangingPunct="1">
-      <a:defRPr sz="1800" kern="1200">
+    <a:lvl2pPr marL="457200" algn="l" defTabSz="457200" rtl="0" fontAlgn="base">
+      <a:spcBef>
+        <a:spcPct val="0"/>
+      </a:spcBef>
+      <a:spcAft>
+        <a:spcPct val="0"/>
+      </a:spcAft>
+      <a:defRPr kern="1200">
         <a:solidFill>
           <a:schemeClr val="tx1"/>
         </a:solidFill>
-        <a:latin typeface="+mn-lt"/>
+        <a:latin typeface="Arial" charset="0"/>
         <a:ea typeface="+mn-ea"/>
-        <a:cs typeface="+mn-cs"/>
+        <a:cs typeface="Arial" charset="0"/>
       </a:defRPr>
     </a:lvl2pPr>
-    <a:lvl3pPr marL="914400" algn="l" defTabSz="457200" rtl="0" eaLnBrk="1" latinLnBrk="0" hangingPunct="1">
-      <a:defRPr sz="1800" kern="1200">
+    <a:lvl3pPr marL="914400" algn="l" defTabSz="457200" rtl="0" fontAlgn="base">
+      <a:spcBef>
+        <a:spcPct val="0"/>
+      </a:spcBef>
+      <a:spcAft>
+        <a:spcPct val="0"/>
+      </a:spcAft>
+      <a:defRPr kern="1200">
         <a:solidFill>
           <a:schemeClr val="tx1"/>
         </a:solidFill>
-        <a:latin typeface="+mn-lt"/>
+        <a:latin typeface="Arial" charset="0"/>
         <a:ea typeface="+mn-ea"/>
-        <a:cs typeface="+mn-cs"/>
+        <a:cs typeface="Arial" charset="0"/>
       </a:defRPr>
     </a:lvl3pPr>
-    <a:lvl4pPr marL="1371600" algn="l" defTabSz="457200" rtl="0" eaLnBrk="1" latinLnBrk="0" hangingPunct="1">
-      <a:defRPr sz="1800" kern="1200">
+    <a:lvl4pPr marL="1371600" algn="l" defTabSz="457200" rtl="0" fontAlgn="base">
+      <a:spcBef>
+        <a:spcPct val="0"/>
+      </a:spcBef>
+      <a:spcAft>
+        <a:spcPct val="0"/>
+      </a:spcAft>
+      <a:defRPr kern="1200">
         <a:solidFill>
           <a:schemeClr val="tx1"/>
         </a:solidFill>
-        <a:latin typeface="+mn-lt"/>
+        <a:latin typeface="Arial" charset="0"/>
         <a:ea typeface="+mn-ea"/>
-        <a:cs typeface="+mn-cs"/>
+        <a:cs typeface="Arial" charset="0"/>
       </a:defRPr>
     </a:lvl4pPr>
-    <a:lvl5pPr marL="1828800" algn="l" defTabSz="457200" rtl="0" eaLnBrk="1" latinLnBrk="0" hangingPunct="1">
-      <a:defRPr sz="1800" kern="1200">
+    <a:lvl5pPr marL="1828800" algn="l" defTabSz="457200" rtl="0" fontAlgn="base">
+      <a:spcBef>
+        <a:spcPct val="0"/>
+      </a:spcBef>
+      <a:spcAft>
+        <a:spcPct val="0"/>
+      </a:spcAft>
+      <a:defRPr kern="1200">
         <a:solidFill>
           <a:schemeClr val="tx1"/>
         </a:solidFill>
-        <a:latin typeface="+mn-lt"/>
+        <a:latin typeface="Arial" charset="0"/>
         <a:ea typeface="+mn-ea"/>
-        <a:cs typeface="+mn-cs"/>
+        <a:cs typeface="Arial" charset="0"/>
       </a:defRPr>
     </a:lvl5pPr>
-    <a:lvl6pPr marL="2286000" algn="l" defTabSz="457200" rtl="0" eaLnBrk="1" latinLnBrk="0" hangingPunct="1">
-      <a:defRPr sz="1800" kern="1200">
+    <a:lvl6pPr marL="2286000" algn="l" defTabSz="914400" rtl="0" eaLnBrk="1" latinLnBrk="0" hangingPunct="1">
+      <a:defRPr kern="1200">
         <a:solidFill>
           <a:schemeClr val="tx1"/>
         </a:solidFill>
-        <a:latin typeface="+mn-lt"/>
+        <a:latin typeface="Arial" charset="0"/>
         <a:ea typeface="+mn-ea"/>
-        <a:cs typeface="+mn-cs"/>
+        <a:cs typeface="Arial" charset="0"/>
       </a:defRPr>
     </a:lvl6pPr>
-    <a:lvl7pPr marL="2743200" algn="l" defTabSz="457200" rtl="0" eaLnBrk="1" latinLnBrk="0" hangingPunct="1">
-      <a:defRPr sz="1800" kern="1200">
+    <a:lvl7pPr marL="2743200" algn="l" defTabSz="914400" rtl="0" eaLnBrk="1" latinLnBrk="0" hangingPunct="1">
+      <a:defRPr kern="1200">
         <a:solidFill>
           <a:schemeClr val="tx1"/>
         </a:solidFill>
-        <a:latin typeface="+mn-lt"/>
+        <a:latin typeface="Arial" charset="0"/>
         <a:ea typeface="+mn-ea"/>
-        <a:cs typeface="+mn-cs"/>
+        <a:cs typeface="Arial" charset="0"/>
       </a:defRPr>
     </a:lvl7pPr>
-    <a:lvl8pPr marL="3200400" algn="l" defTabSz="457200" rtl="0" eaLnBrk="1" latinLnBrk="0" hangingPunct="1">
-      <a:defRPr sz="1800" kern="1200">
+    <a:lvl8pPr marL="3200400" algn="l" defTabSz="914400" rtl="0" eaLnBrk="1" latinLnBrk="0" hangingPunct="1">
+      <a:defRPr kern="1200">
         <a:solidFill>
           <a:schemeClr val="tx1"/>
         </a:solidFill>
-        <a:latin typeface="+mn-lt"/>
+        <a:latin typeface="Arial" charset="0"/>
         <a:ea typeface="+mn-ea"/>
-        <a:cs typeface="+mn-cs"/>
+        <a:cs typeface="Arial" charset="0"/>
       </a:defRPr>
     </a:lvl8pPr>
-    <a:lvl9pPr marL="3657600" algn="l" defTabSz="457200" rtl="0" eaLnBrk="1" latinLnBrk="0" hangingPunct="1">
-      <a:defRPr sz="1800" kern="1200">
+    <a:lvl9pPr marL="3657600" algn="l" defTabSz="914400" rtl="0" eaLnBrk="1" latinLnBrk="0" hangingPunct="1">
+      <a:defRPr kern="1200">
         <a:solidFill>
           <a:schemeClr val="tx1"/>
         </a:solidFill>
-        <a:latin typeface="+mn-lt"/>
+        <a:latin typeface="Arial" charset="0"/>
         <a:ea typeface="+mn-ea"/>
-        <a:cs typeface="+mn-cs"/>
+        <a:cs typeface="Arial" charset="0"/>
       </a:defRPr>
     </a:lvl9pPr>
   </p:defaultTextStyle>
@@ -108,7 +138,7 @@
 </file>
 
 <file path=ppt/slideLayouts/slideLayout1.xml><?xml version="1.0" encoding="utf-8"?>
-<p:sldLayout xmlns:a="http://schemas.openxmlformats.org/drawingml/2006/main" xmlns:r="http://schemas.openxmlformats.org/officeDocument/2006/relationships" xmlns:mc="http://schemas.openxmlformats.org/markup-compatibility/2006" xmlns:mv="urn:schemas-microsoft-com:mac:vml" xmlns:p="http://schemas.openxmlformats.org/presentationml/2006/main" mc:Ignorable="mv" mc:PreserveAttributes="mv:*" type="title" preserve="1">
+<p:sldLayout xmlns:a="http://schemas.openxmlformats.org/drawingml/2006/main" xmlns:r="http://schemas.openxmlformats.org/officeDocument/2006/relationships" xmlns:p="http://schemas.openxmlformats.org/presentationml/2006/main" type="title" preserve="1">
   <p:cSld name="Title Slide">
     <p:spTree>
       <p:nvGrpSpPr>
@@ -284,12 +314,21 @@
         <p:spPr/>
         <p:txBody>
           <a:bodyPr/>
-          <a:lstStyle/>
-          <a:p>
-            <a:fld id="{937E53BE-4F8D-4A46-AEB3-F2DF64371628}" type="datetimeFigureOut">
-              <a:rPr lang="en-US" smtClean="0"/>
-              <a:pPr/>
-              <a:t>4/19/11</a:t>
+          <a:lstStyle>
+            <a:lvl1pPr>
+              <a:defRPr/>
+            </a:lvl1pPr>
+          </a:lstStyle>
+          <a:p>
+            <a:pPr>
+              <a:defRPr/>
+            </a:pPr>
+            <a:fld id="{006A732D-2F49-4F5B-98A7-4D31CB29222A}" type="datetimeFigureOut">
+              <a:rPr lang="en-US"/>
+              <a:pPr>
+                <a:defRPr/>
+              </a:pPr>
+              <a:t>6/15/2012</a:t>
             </a:fld>
             <a:endParaRPr lang="en-US"/>
           </a:p>
@@ -308,8 +347,15 @@
         <p:spPr/>
         <p:txBody>
           <a:bodyPr/>
-          <a:lstStyle/>
-          <a:p>
+          <a:lstStyle>
+            <a:lvl1pPr>
+              <a:defRPr/>
+            </a:lvl1pPr>
+          </a:lstStyle>
+          <a:p>
+            <a:pPr>
+              <a:defRPr/>
+            </a:pPr>
             <a:endParaRPr lang="en-US"/>
           </a:p>
         </p:txBody>
@@ -327,11 +373,20 @@
         <p:spPr/>
         <p:txBody>
           <a:bodyPr/>
-          <a:lstStyle/>
-          <a:p>
-            <a:fld id="{AF5AAA97-FA48-5342-AAB4-940241EA473E}" type="slidenum">
-              <a:rPr lang="en-US" smtClean="0"/>
-              <a:pPr/>
+          <a:lstStyle>
+            <a:lvl1pPr>
+              <a:defRPr/>
+            </a:lvl1pPr>
+          </a:lstStyle>
+          <a:p>
+            <a:pPr>
+              <a:defRPr/>
+            </a:pPr>
+            <a:fld id="{F9725EC9-4FB0-4B31-8208-27DEFAF21035}" type="slidenum">
+              <a:rPr lang="en-US"/>
+              <a:pPr>
+                <a:defRPr/>
+              </a:pPr>
               <a:t>‹#›</a:t>
             </a:fld>
             <a:endParaRPr lang="en-US"/>
@@ -347,7 +402,7 @@
 </file>
 
 <file path=ppt/slideLayouts/slideLayout10.xml><?xml version="1.0" encoding="utf-8"?>
-<p:sldLayout xmlns:a="http://schemas.openxmlformats.org/drawingml/2006/main" xmlns:r="http://schemas.openxmlformats.org/officeDocument/2006/relationships" xmlns:mc="http://schemas.openxmlformats.org/markup-compatibility/2006" xmlns:mv="urn:schemas-microsoft-com:mac:vml" xmlns:p="http://schemas.openxmlformats.org/presentationml/2006/main" mc:Ignorable="mv" mc:PreserveAttributes="mv:*" type="vertTx" preserve="1">
+<p:sldLayout xmlns:a="http://schemas.openxmlformats.org/drawingml/2006/main" xmlns:r="http://schemas.openxmlformats.org/officeDocument/2006/relationships" xmlns:p="http://schemas.openxmlformats.org/presentationml/2006/main" type="vertTx" preserve="1">
   <p:cSld name="Title and Vertical Text">
     <p:spTree>
       <p:nvGrpSpPr>
@@ -451,12 +506,21 @@
         <p:spPr/>
         <p:txBody>
           <a:bodyPr/>
-          <a:lstStyle/>
-          <a:p>
-            <a:fld id="{937E53BE-4F8D-4A46-AEB3-F2DF64371628}" type="datetimeFigureOut">
-              <a:rPr lang="en-US" smtClean="0"/>
-              <a:pPr/>
-              <a:t>4/19/11</a:t>
+          <a:lstStyle>
+            <a:lvl1pPr>
+              <a:defRPr/>
+            </a:lvl1pPr>
+          </a:lstStyle>
+          <a:p>
+            <a:pPr>
+              <a:defRPr/>
+            </a:pPr>
+            <a:fld id="{27222773-9EFF-4E8C-A391-834BD4A77EFB}" type="datetimeFigureOut">
+              <a:rPr lang="en-US"/>
+              <a:pPr>
+                <a:defRPr/>
+              </a:pPr>
+              <a:t>6/15/2012</a:t>
             </a:fld>
             <a:endParaRPr lang="en-US"/>
           </a:p>
@@ -475,8 +539,15 @@
         <p:spPr/>
         <p:txBody>
           <a:bodyPr/>
-          <a:lstStyle/>
-          <a:p>
+          <a:lstStyle>
+            <a:lvl1pPr>
+              <a:defRPr/>
+            </a:lvl1pPr>
+          </a:lstStyle>
+          <a:p>
+            <a:pPr>
+              <a:defRPr/>
+            </a:pPr>
             <a:endParaRPr lang="en-US"/>
           </a:p>
         </p:txBody>
@@ -494,11 +565,20 @@
         <p:spPr/>
         <p:txBody>
           <a:bodyPr/>
-          <a:lstStyle/>
-          <a:p>
-            <a:fld id="{AF5AAA97-FA48-5342-AAB4-940241EA473E}" type="slidenum">
-              <a:rPr lang="en-US" smtClean="0"/>
-              <a:pPr/>
+          <a:lstStyle>
+            <a:lvl1pPr>
+              <a:defRPr/>
+            </a:lvl1pPr>
+          </a:lstStyle>
+          <a:p>
+            <a:pPr>
+              <a:defRPr/>
+            </a:pPr>
+            <a:fld id="{88AE6986-2E0F-4A28-94D4-FC82DE37E14D}" type="slidenum">
+              <a:rPr lang="en-US"/>
+              <a:pPr>
+                <a:defRPr/>
+              </a:pPr>
               <a:t>‹#›</a:t>
             </a:fld>
             <a:endParaRPr lang="en-US"/>
@@ -514,7 +594,7 @@
 </file>
 
 <file path=ppt/slideLayouts/slideLayout11.xml><?xml version="1.0" encoding="utf-8"?>
-<p:sldLayout xmlns:a="http://schemas.openxmlformats.org/drawingml/2006/main" xmlns:r="http://schemas.openxmlformats.org/officeDocument/2006/relationships" xmlns:mc="http://schemas.openxmlformats.org/markup-compatibility/2006" xmlns:mv="urn:schemas-microsoft-com:mac:vml" xmlns:p="http://schemas.openxmlformats.org/presentationml/2006/main" mc:Ignorable="mv" mc:PreserveAttributes="mv:*" type="vertTitleAndTx" preserve="1">
+<p:sldLayout xmlns:a="http://schemas.openxmlformats.org/drawingml/2006/main" xmlns:r="http://schemas.openxmlformats.org/officeDocument/2006/relationships" xmlns:p="http://schemas.openxmlformats.org/presentationml/2006/main" type="vertTitleAndTx" preserve="1">
   <p:cSld name="Vertical Title and Text">
     <p:spTree>
       <p:nvGrpSpPr>
@@ -628,12 +708,21 @@
         <p:spPr/>
         <p:txBody>
           <a:bodyPr/>
-          <a:lstStyle/>
-          <a:p>
-            <a:fld id="{937E53BE-4F8D-4A46-AEB3-F2DF64371628}" type="datetimeFigureOut">
-              <a:rPr lang="en-US" smtClean="0"/>
-              <a:pPr/>
-              <a:t>4/19/11</a:t>
+          <a:lstStyle>
+            <a:lvl1pPr>
+              <a:defRPr/>
+            </a:lvl1pPr>
+          </a:lstStyle>
+          <a:p>
+            <a:pPr>
+              <a:defRPr/>
+            </a:pPr>
+            <a:fld id="{54AC510C-20C0-4459-9F38-D5232C6F5902}" type="datetimeFigureOut">
+              <a:rPr lang="en-US"/>
+              <a:pPr>
+                <a:defRPr/>
+              </a:pPr>
+              <a:t>6/15/2012</a:t>
             </a:fld>
             <a:endParaRPr lang="en-US"/>
           </a:p>
@@ -652,8 +741,15 @@
         <p:spPr/>
         <p:txBody>
           <a:bodyPr/>
-          <a:lstStyle/>
-          <a:p>
+          <a:lstStyle>
+            <a:lvl1pPr>
+              <a:defRPr/>
+            </a:lvl1pPr>
+          </a:lstStyle>
+          <a:p>
+            <a:pPr>
+              <a:defRPr/>
+            </a:pPr>
             <a:endParaRPr lang="en-US"/>
           </a:p>
         </p:txBody>
@@ -671,11 +767,20 @@
         <p:spPr/>
         <p:txBody>
           <a:bodyPr/>
-          <a:lstStyle/>
-          <a:p>
-            <a:fld id="{AF5AAA97-FA48-5342-AAB4-940241EA473E}" type="slidenum">
-              <a:rPr lang="en-US" smtClean="0"/>
-              <a:pPr/>
+          <a:lstStyle>
+            <a:lvl1pPr>
+              <a:defRPr/>
+            </a:lvl1pPr>
+          </a:lstStyle>
+          <a:p>
+            <a:pPr>
+              <a:defRPr/>
+            </a:pPr>
+            <a:fld id="{C9667FBF-5ABF-48BD-8ADE-0F8A296625A1}" type="slidenum">
+              <a:rPr lang="en-US"/>
+              <a:pPr>
+                <a:defRPr/>
+              </a:pPr>
               <a:t>‹#›</a:t>
             </a:fld>
             <a:endParaRPr lang="en-US"/>
@@ -691,7 +796,7 @@
 </file>
 
 <file path=ppt/slideLayouts/slideLayout2.xml><?xml version="1.0" encoding="utf-8"?>
-<p:sldLayout xmlns:a="http://schemas.openxmlformats.org/drawingml/2006/main" xmlns:r="http://schemas.openxmlformats.org/officeDocument/2006/relationships" xmlns:mc="http://schemas.openxmlformats.org/markup-compatibility/2006" xmlns:mv="urn:schemas-microsoft-com:mac:vml" xmlns:p="http://schemas.openxmlformats.org/presentationml/2006/main" mc:Ignorable="mv" mc:PreserveAttributes="mv:*" type="obj" preserve="1">
+<p:sldLayout xmlns:a="http://schemas.openxmlformats.org/drawingml/2006/main" xmlns:r="http://schemas.openxmlformats.org/officeDocument/2006/relationships" xmlns:p="http://schemas.openxmlformats.org/presentationml/2006/main" type="obj" preserve="1">
   <p:cSld name="Title and Content">
     <p:spTree>
       <p:nvGrpSpPr>
@@ -795,12 +900,21 @@
         <p:spPr/>
         <p:txBody>
           <a:bodyPr/>
-          <a:lstStyle/>
-          <a:p>
-            <a:fld id="{937E53BE-4F8D-4A46-AEB3-F2DF64371628}" type="datetimeFigureOut">
-              <a:rPr lang="en-US" smtClean="0"/>
-              <a:pPr/>
-              <a:t>4/19/11</a:t>
+          <a:lstStyle>
+            <a:lvl1pPr>
+              <a:defRPr/>
+            </a:lvl1pPr>
+          </a:lstStyle>
+          <a:p>
+            <a:pPr>
+              <a:defRPr/>
+            </a:pPr>
+            <a:fld id="{99D47DDE-3AD3-4D55-851F-185B116966F6}" type="datetimeFigureOut">
+              <a:rPr lang="en-US"/>
+              <a:pPr>
+                <a:defRPr/>
+              </a:pPr>
+              <a:t>6/15/2012</a:t>
             </a:fld>
             <a:endParaRPr lang="en-US"/>
           </a:p>
@@ -819,8 +933,15 @@
         <p:spPr/>
         <p:txBody>
           <a:bodyPr/>
-          <a:lstStyle/>
-          <a:p>
+          <a:lstStyle>
+            <a:lvl1pPr>
+              <a:defRPr/>
+            </a:lvl1pPr>
+          </a:lstStyle>
+          <a:p>
+            <a:pPr>
+              <a:defRPr/>
+            </a:pPr>
             <a:endParaRPr lang="en-US"/>
           </a:p>
         </p:txBody>
@@ -838,11 +959,20 @@
         <p:spPr/>
         <p:txBody>
           <a:bodyPr/>
-          <a:lstStyle/>
-          <a:p>
-            <a:fld id="{AF5AAA97-FA48-5342-AAB4-940241EA473E}" type="slidenum">
-              <a:rPr lang="en-US" smtClean="0"/>
-              <a:pPr/>
+          <a:lstStyle>
+            <a:lvl1pPr>
+              <a:defRPr/>
+            </a:lvl1pPr>
+          </a:lstStyle>
+          <a:p>
+            <a:pPr>
+              <a:defRPr/>
+            </a:pPr>
+            <a:fld id="{698C7847-6A03-467B-BB43-C311AA66BA65}" type="slidenum">
+              <a:rPr lang="en-US"/>
+              <a:pPr>
+                <a:defRPr/>
+              </a:pPr>
               <a:t>‹#›</a:t>
             </a:fld>
             <a:endParaRPr lang="en-US"/>
@@ -858,7 +988,7 @@
 </file>
 
 <file path=ppt/slideLayouts/slideLayout3.xml><?xml version="1.0" encoding="utf-8"?>
-<p:sldLayout xmlns:a="http://schemas.openxmlformats.org/drawingml/2006/main" xmlns:r="http://schemas.openxmlformats.org/officeDocument/2006/relationships" xmlns:mc="http://schemas.openxmlformats.org/markup-compatibility/2006" xmlns:mv="urn:schemas-microsoft-com:mac:vml" xmlns:p="http://schemas.openxmlformats.org/presentationml/2006/main" mc:Ignorable="mv" mc:PreserveAttributes="mv:*" type="secHead" preserve="1">
+<p:sldLayout xmlns:a="http://schemas.openxmlformats.org/drawingml/2006/main" xmlns:r="http://schemas.openxmlformats.org/officeDocument/2006/relationships" xmlns:p="http://schemas.openxmlformats.org/presentationml/2006/main" type="secHead" preserve="1">
   <p:cSld name="Section Header">
     <p:spTree>
       <p:nvGrpSpPr>
@@ -1038,12 +1168,21 @@
         <p:spPr/>
         <p:txBody>
           <a:bodyPr/>
-          <a:lstStyle/>
-          <a:p>
-            <a:fld id="{937E53BE-4F8D-4A46-AEB3-F2DF64371628}" type="datetimeFigureOut">
-              <a:rPr lang="en-US" smtClean="0"/>
-              <a:pPr/>
-              <a:t>4/19/11</a:t>
+          <a:lstStyle>
+            <a:lvl1pPr>
+              <a:defRPr/>
+            </a:lvl1pPr>
+          </a:lstStyle>
+          <a:p>
+            <a:pPr>
+              <a:defRPr/>
+            </a:pPr>
+            <a:fld id="{C3AE5D3B-7FAE-4F9D-823B-4609A0EE0309}" type="datetimeFigureOut">
+              <a:rPr lang="en-US"/>
+              <a:pPr>
+                <a:defRPr/>
+              </a:pPr>
+              <a:t>6/15/2012</a:t>
             </a:fld>
             <a:endParaRPr lang="en-US"/>
           </a:p>
@@ -1062,8 +1201,15 @@
         <p:spPr/>
         <p:txBody>
           <a:bodyPr/>
-          <a:lstStyle/>
-          <a:p>
+          <a:lstStyle>
+            <a:lvl1pPr>
+              <a:defRPr/>
+            </a:lvl1pPr>
+          </a:lstStyle>
+          <a:p>
+            <a:pPr>
+              <a:defRPr/>
+            </a:pPr>
             <a:endParaRPr lang="en-US"/>
           </a:p>
         </p:txBody>
@@ -1081,11 +1227,20 @@
         <p:spPr/>
         <p:txBody>
           <a:bodyPr/>
-          <a:lstStyle/>
-          <a:p>
-            <a:fld id="{AF5AAA97-FA48-5342-AAB4-940241EA473E}" type="slidenum">
-              <a:rPr lang="en-US" smtClean="0"/>
-              <a:pPr/>
+          <a:lstStyle>
+            <a:lvl1pPr>
+              <a:defRPr/>
+            </a:lvl1pPr>
+          </a:lstStyle>
+          <a:p>
+            <a:pPr>
+              <a:defRPr/>
+            </a:pPr>
+            <a:fld id="{C330CFA0-3F43-4399-A3B5-1782C893E670}" type="slidenum">
+              <a:rPr lang="en-US"/>
+              <a:pPr>
+                <a:defRPr/>
+              </a:pPr>
               <a:t>‹#›</a:t>
             </a:fld>
             <a:endParaRPr lang="en-US"/>
@@ -1101,7 +1256,7 @@
 </file>
 
 <file path=ppt/slideLayouts/slideLayout4.xml><?xml version="1.0" encoding="utf-8"?>
-<p:sldLayout xmlns:a="http://schemas.openxmlformats.org/drawingml/2006/main" xmlns:r="http://schemas.openxmlformats.org/officeDocument/2006/relationships" xmlns:mc="http://schemas.openxmlformats.org/markup-compatibility/2006" xmlns:mv="urn:schemas-microsoft-com:mac:vml" xmlns:p="http://schemas.openxmlformats.org/presentationml/2006/main" mc:Ignorable="mv" mc:PreserveAttributes="mv:*" type="twoObj" preserve="1">
+<p:sldLayout xmlns:a="http://schemas.openxmlformats.org/drawingml/2006/main" xmlns:r="http://schemas.openxmlformats.org/officeDocument/2006/relationships" xmlns:p="http://schemas.openxmlformats.org/presentationml/2006/main" type="twoObj" preserve="1">
   <p:cSld name="Two Content">
     <p:spTree>
       <p:nvGrpSpPr>
@@ -1312,7 +1467,7 @@
       </p:sp>
       <p:sp>
         <p:nvSpPr>
-          <p:cNvPr id="5" name="Date Placeholder 4"/>
+          <p:cNvPr id="5" name="Date Placeholder 3"/>
           <p:cNvSpPr>
             <a:spLocks noGrp="1"/>
           </p:cNvSpPr>
@@ -1323,12 +1478,21 @@
         <p:spPr/>
         <p:txBody>
           <a:bodyPr/>
-          <a:lstStyle/>
-          <a:p>
-            <a:fld id="{937E53BE-4F8D-4A46-AEB3-F2DF64371628}" type="datetimeFigureOut">
-              <a:rPr lang="en-US" smtClean="0"/>
-              <a:pPr/>
-              <a:t>4/19/11</a:t>
+          <a:lstStyle>
+            <a:lvl1pPr>
+              <a:defRPr/>
+            </a:lvl1pPr>
+          </a:lstStyle>
+          <a:p>
+            <a:pPr>
+              <a:defRPr/>
+            </a:pPr>
+            <a:fld id="{900A7176-78C2-43FD-AF06-F02FB97CAC02}" type="datetimeFigureOut">
+              <a:rPr lang="en-US"/>
+              <a:pPr>
+                <a:defRPr/>
+              </a:pPr>
+              <a:t>6/15/2012</a:t>
             </a:fld>
             <a:endParaRPr lang="en-US"/>
           </a:p>
@@ -1336,7 +1500,7 @@
       </p:sp>
       <p:sp>
         <p:nvSpPr>
-          <p:cNvPr id="6" name="Footer Placeholder 5"/>
+          <p:cNvPr id="6" name="Footer Placeholder 4"/>
           <p:cNvSpPr>
             <a:spLocks noGrp="1"/>
           </p:cNvSpPr>
@@ -1347,15 +1511,22 @@
         <p:spPr/>
         <p:txBody>
           <a:bodyPr/>
-          <a:lstStyle/>
-          <a:p>
-            <a:endParaRPr lang="en-US"/>
-          </a:p>
-        </p:txBody>
-      </p:sp>
-      <p:sp>
-        <p:nvSpPr>
-          <p:cNvPr id="7" name="Slide Number Placeholder 6"/>
+          <a:lstStyle>
+            <a:lvl1pPr>
+              <a:defRPr/>
+            </a:lvl1pPr>
+          </a:lstStyle>
+          <a:p>
+            <a:pPr>
+              <a:defRPr/>
+            </a:pPr>
+            <a:endParaRPr lang="en-US"/>
+          </a:p>
+        </p:txBody>
+      </p:sp>
+      <p:sp>
+        <p:nvSpPr>
+          <p:cNvPr id="7" name="Slide Number Placeholder 5"/>
           <p:cNvSpPr>
             <a:spLocks noGrp="1"/>
           </p:cNvSpPr>
@@ -1366,11 +1537,20 @@
         <p:spPr/>
         <p:txBody>
           <a:bodyPr/>
-          <a:lstStyle/>
-          <a:p>
-            <a:fld id="{AF5AAA97-FA48-5342-AAB4-940241EA473E}" type="slidenum">
-              <a:rPr lang="en-US" smtClean="0"/>
-              <a:pPr/>
+          <a:lstStyle>
+            <a:lvl1pPr>
+              <a:defRPr/>
+            </a:lvl1pPr>
+          </a:lstStyle>
+          <a:p>
+            <a:pPr>
+              <a:defRPr/>
+            </a:pPr>
+            <a:fld id="{1ACEF273-9A17-4154-976F-2BC591BA8353}" type="slidenum">
+              <a:rPr lang="en-US"/>
+              <a:pPr>
+                <a:defRPr/>
+              </a:pPr>
               <a:t>‹#›</a:t>
             </a:fld>
             <a:endParaRPr lang="en-US"/>
@@ -1386,7 +1566,7 @@
 </file>
 
 <file path=ppt/slideLayouts/slideLayout5.xml><?xml version="1.0" encoding="utf-8"?>
-<p:sldLayout xmlns:a="http://schemas.openxmlformats.org/drawingml/2006/main" xmlns:r="http://schemas.openxmlformats.org/officeDocument/2006/relationships" xmlns:mc="http://schemas.openxmlformats.org/markup-compatibility/2006" xmlns:mv="urn:schemas-microsoft-com:mac:vml" xmlns:p="http://schemas.openxmlformats.org/presentationml/2006/main" mc:Ignorable="mv" mc:PreserveAttributes="mv:*" type="twoTxTwoObj" preserve="1">
+<p:sldLayout xmlns:a="http://schemas.openxmlformats.org/drawingml/2006/main" xmlns:r="http://schemas.openxmlformats.org/officeDocument/2006/relationships" xmlns:p="http://schemas.openxmlformats.org/presentationml/2006/main" type="twoTxTwoObj" preserve="1">
   <p:cSld name="Comparison">
     <p:spTree>
       <p:nvGrpSpPr>
@@ -1731,7 +1911,7 @@
       </p:sp>
       <p:sp>
         <p:nvSpPr>
-          <p:cNvPr id="7" name="Date Placeholder 6"/>
+          <p:cNvPr id="7" name="Date Placeholder 3"/>
           <p:cNvSpPr>
             <a:spLocks noGrp="1"/>
           </p:cNvSpPr>
@@ -1742,12 +1922,21 @@
         <p:spPr/>
         <p:txBody>
           <a:bodyPr/>
-          <a:lstStyle/>
-          <a:p>
-            <a:fld id="{937E53BE-4F8D-4A46-AEB3-F2DF64371628}" type="datetimeFigureOut">
-              <a:rPr lang="en-US" smtClean="0"/>
-              <a:pPr/>
-              <a:t>4/19/11</a:t>
+          <a:lstStyle>
+            <a:lvl1pPr>
+              <a:defRPr/>
+            </a:lvl1pPr>
+          </a:lstStyle>
+          <a:p>
+            <a:pPr>
+              <a:defRPr/>
+            </a:pPr>
+            <a:fld id="{9CABABE7-9982-4782-ACA0-1400CF9A986A}" type="datetimeFigureOut">
+              <a:rPr lang="en-US"/>
+              <a:pPr>
+                <a:defRPr/>
+              </a:pPr>
+              <a:t>6/15/2012</a:t>
             </a:fld>
             <a:endParaRPr lang="en-US"/>
           </a:p>
@@ -1755,7 +1944,7 @@
       </p:sp>
       <p:sp>
         <p:nvSpPr>
-          <p:cNvPr id="8" name="Footer Placeholder 7"/>
+          <p:cNvPr id="8" name="Footer Placeholder 4"/>
           <p:cNvSpPr>
             <a:spLocks noGrp="1"/>
           </p:cNvSpPr>
@@ -1766,15 +1955,22 @@
         <p:spPr/>
         <p:txBody>
           <a:bodyPr/>
-          <a:lstStyle/>
-          <a:p>
-            <a:endParaRPr lang="en-US"/>
-          </a:p>
-        </p:txBody>
-      </p:sp>
-      <p:sp>
-        <p:nvSpPr>
-          <p:cNvPr id="9" name="Slide Number Placeholder 8"/>
+          <a:lstStyle>
+            <a:lvl1pPr>
+              <a:defRPr/>
+            </a:lvl1pPr>
+          </a:lstStyle>
+          <a:p>
+            <a:pPr>
+              <a:defRPr/>
+            </a:pPr>
+            <a:endParaRPr lang="en-US"/>
+          </a:p>
+        </p:txBody>
+      </p:sp>
+      <p:sp>
+        <p:nvSpPr>
+          <p:cNvPr id="9" name="Slide Number Placeholder 5"/>
           <p:cNvSpPr>
             <a:spLocks noGrp="1"/>
           </p:cNvSpPr>
@@ -1785,11 +1981,20 @@
         <p:spPr/>
         <p:txBody>
           <a:bodyPr/>
-          <a:lstStyle/>
-          <a:p>
-            <a:fld id="{AF5AAA97-FA48-5342-AAB4-940241EA473E}" type="slidenum">
-              <a:rPr lang="en-US" smtClean="0"/>
-              <a:pPr/>
+          <a:lstStyle>
+            <a:lvl1pPr>
+              <a:defRPr/>
+            </a:lvl1pPr>
+          </a:lstStyle>
+          <a:p>
+            <a:pPr>
+              <a:defRPr/>
+            </a:pPr>
+            <a:fld id="{22981299-A067-443B-B874-55223507AA00}" type="slidenum">
+              <a:rPr lang="en-US"/>
+              <a:pPr>
+                <a:defRPr/>
+              </a:pPr>
               <a:t>‹#›</a:t>
             </a:fld>
             <a:endParaRPr lang="en-US"/>
@@ -1805,7 +2010,7 @@
 </file>
 
 <file path=ppt/slideLayouts/slideLayout6.xml><?xml version="1.0" encoding="utf-8"?>
-<p:sldLayout xmlns:a="http://schemas.openxmlformats.org/drawingml/2006/main" xmlns:r="http://schemas.openxmlformats.org/officeDocument/2006/relationships" xmlns:mc="http://schemas.openxmlformats.org/markup-compatibility/2006" xmlns:mv="urn:schemas-microsoft-com:mac:vml" xmlns:p="http://schemas.openxmlformats.org/presentationml/2006/main" mc:Ignorable="mv" mc:PreserveAttributes="mv:*" type="titleOnly" preserve="1">
+<p:sldLayout xmlns:a="http://schemas.openxmlformats.org/drawingml/2006/main" xmlns:r="http://schemas.openxmlformats.org/officeDocument/2006/relationships" xmlns:p="http://schemas.openxmlformats.org/presentationml/2006/main" type="titleOnly" preserve="1">
   <p:cSld name="Title Only">
     <p:spTree>
       <p:nvGrpSpPr>
@@ -1846,7 +2051,7 @@
       </p:sp>
       <p:sp>
         <p:nvSpPr>
-          <p:cNvPr id="3" name="Date Placeholder 2"/>
+          <p:cNvPr id="3" name="Date Placeholder 3"/>
           <p:cNvSpPr>
             <a:spLocks noGrp="1"/>
           </p:cNvSpPr>
@@ -1857,12 +2062,21 @@
         <p:spPr/>
         <p:txBody>
           <a:bodyPr/>
-          <a:lstStyle/>
-          <a:p>
-            <a:fld id="{937E53BE-4F8D-4A46-AEB3-F2DF64371628}" type="datetimeFigureOut">
-              <a:rPr lang="en-US" smtClean="0"/>
-              <a:pPr/>
-              <a:t>4/19/11</a:t>
+          <a:lstStyle>
+            <a:lvl1pPr>
+              <a:defRPr/>
+            </a:lvl1pPr>
+          </a:lstStyle>
+          <a:p>
+            <a:pPr>
+              <a:defRPr/>
+            </a:pPr>
+            <a:fld id="{1AB7F116-2264-42EF-A007-23641964D286}" type="datetimeFigureOut">
+              <a:rPr lang="en-US"/>
+              <a:pPr>
+                <a:defRPr/>
+              </a:pPr>
+              <a:t>6/15/2012</a:t>
             </a:fld>
             <a:endParaRPr lang="en-US"/>
           </a:p>
@@ -1870,7 +2084,7 @@
       </p:sp>
       <p:sp>
         <p:nvSpPr>
-          <p:cNvPr id="4" name="Footer Placeholder 3"/>
+          <p:cNvPr id="4" name="Footer Placeholder 4"/>
           <p:cNvSpPr>
             <a:spLocks noGrp="1"/>
           </p:cNvSpPr>
@@ -1881,15 +2095,22 @@
         <p:spPr/>
         <p:txBody>
           <a:bodyPr/>
-          <a:lstStyle/>
-          <a:p>
-            <a:endParaRPr lang="en-US"/>
-          </a:p>
-        </p:txBody>
-      </p:sp>
-      <p:sp>
-        <p:nvSpPr>
-          <p:cNvPr id="5" name="Slide Number Placeholder 4"/>
+          <a:lstStyle>
+            <a:lvl1pPr>
+              <a:defRPr/>
+            </a:lvl1pPr>
+          </a:lstStyle>
+          <a:p>
+            <a:pPr>
+              <a:defRPr/>
+            </a:pPr>
+            <a:endParaRPr lang="en-US"/>
+          </a:p>
+        </p:txBody>
+      </p:sp>
+      <p:sp>
+        <p:nvSpPr>
+          <p:cNvPr id="5" name="Slide Number Placeholder 5"/>
           <p:cNvSpPr>
             <a:spLocks noGrp="1"/>
           </p:cNvSpPr>
@@ -1900,11 +2121,20 @@
         <p:spPr/>
         <p:txBody>
           <a:bodyPr/>
-          <a:lstStyle/>
-          <a:p>
-            <a:fld id="{AF5AAA97-FA48-5342-AAB4-940241EA473E}" type="slidenum">
-              <a:rPr lang="en-US" smtClean="0"/>
-              <a:pPr/>
+          <a:lstStyle>
+            <a:lvl1pPr>
+              <a:defRPr/>
+            </a:lvl1pPr>
+          </a:lstStyle>
+          <a:p>
+            <a:pPr>
+              <a:defRPr/>
+            </a:pPr>
+            <a:fld id="{AC13B9D6-898A-486F-80A5-CCA8E16A47F1}" type="slidenum">
+              <a:rPr lang="en-US"/>
+              <a:pPr>
+                <a:defRPr/>
+              </a:pPr>
               <a:t>‹#›</a:t>
             </a:fld>
             <a:endParaRPr lang="en-US"/>
@@ -1920,7 +2150,7 @@
 </file>
 
 <file path=ppt/slideLayouts/slideLayout7.xml><?xml version="1.0" encoding="utf-8"?>
-<p:sldLayout xmlns:a="http://schemas.openxmlformats.org/drawingml/2006/main" xmlns:r="http://schemas.openxmlformats.org/officeDocument/2006/relationships" xmlns:mc="http://schemas.openxmlformats.org/markup-compatibility/2006" xmlns:mv="urn:schemas-microsoft-com:mac:vml" xmlns:p="http://schemas.openxmlformats.org/presentationml/2006/main" mc:Ignorable="mv" mc:PreserveAttributes="mv:*" type="blank" preserve="1">
+<p:sldLayout xmlns:a="http://schemas.openxmlformats.org/drawingml/2006/main" xmlns:r="http://schemas.openxmlformats.org/officeDocument/2006/relationships" xmlns:p="http://schemas.openxmlformats.org/presentationml/2006/main" type="blank" preserve="1">
   <p:cSld name="Blank">
     <p:spTree>
       <p:nvGrpSpPr>
@@ -1938,7 +2168,7 @@
       </p:grpSpPr>
       <p:sp>
         <p:nvSpPr>
-          <p:cNvPr id="2" name="Date Placeholder 1"/>
+          <p:cNvPr id="2" name="Date Placeholder 3"/>
           <p:cNvSpPr>
             <a:spLocks noGrp="1"/>
           </p:cNvSpPr>
@@ -1949,12 +2179,21 @@
         <p:spPr/>
         <p:txBody>
           <a:bodyPr/>
-          <a:lstStyle/>
-          <a:p>
-            <a:fld id="{937E53BE-4F8D-4A46-AEB3-F2DF64371628}" type="datetimeFigureOut">
-              <a:rPr lang="en-US" smtClean="0"/>
-              <a:pPr/>
-              <a:t>4/19/11</a:t>
+          <a:lstStyle>
+            <a:lvl1pPr>
+              <a:defRPr/>
+            </a:lvl1pPr>
+          </a:lstStyle>
+          <a:p>
+            <a:pPr>
+              <a:defRPr/>
+            </a:pPr>
+            <a:fld id="{3603F601-DE8F-4800-875A-8E36E5FB610A}" type="datetimeFigureOut">
+              <a:rPr lang="en-US"/>
+              <a:pPr>
+                <a:defRPr/>
+              </a:pPr>
+              <a:t>6/15/2012</a:t>
             </a:fld>
             <a:endParaRPr lang="en-US"/>
           </a:p>
@@ -1962,7 +2201,7 @@
       </p:sp>
       <p:sp>
         <p:nvSpPr>
-          <p:cNvPr id="3" name="Footer Placeholder 2"/>
+          <p:cNvPr id="3" name="Footer Placeholder 4"/>
           <p:cNvSpPr>
             <a:spLocks noGrp="1"/>
           </p:cNvSpPr>
@@ -1973,15 +2212,22 @@
         <p:spPr/>
         <p:txBody>
           <a:bodyPr/>
-          <a:lstStyle/>
-          <a:p>
-            <a:endParaRPr lang="en-US"/>
-          </a:p>
-        </p:txBody>
-      </p:sp>
-      <p:sp>
-        <p:nvSpPr>
-          <p:cNvPr id="4" name="Slide Number Placeholder 3"/>
+          <a:lstStyle>
+            <a:lvl1pPr>
+              <a:defRPr/>
+            </a:lvl1pPr>
+          </a:lstStyle>
+          <a:p>
+            <a:pPr>
+              <a:defRPr/>
+            </a:pPr>
+            <a:endParaRPr lang="en-US"/>
+          </a:p>
+        </p:txBody>
+      </p:sp>
+      <p:sp>
+        <p:nvSpPr>
+          <p:cNvPr id="4" name="Slide Number Placeholder 5"/>
           <p:cNvSpPr>
             <a:spLocks noGrp="1"/>
           </p:cNvSpPr>
@@ -1992,11 +2238,20 @@
         <p:spPr/>
         <p:txBody>
           <a:bodyPr/>
-          <a:lstStyle/>
-          <a:p>
-            <a:fld id="{AF5AAA97-FA48-5342-AAB4-940241EA473E}" type="slidenum">
-              <a:rPr lang="en-US" smtClean="0"/>
-              <a:pPr/>
+          <a:lstStyle>
+            <a:lvl1pPr>
+              <a:defRPr/>
+            </a:lvl1pPr>
+          </a:lstStyle>
+          <a:p>
+            <a:pPr>
+              <a:defRPr/>
+            </a:pPr>
+            <a:fld id="{A41BEA01-3C68-4009-BC06-01A7A3F1FF67}" type="slidenum">
+              <a:rPr lang="en-US"/>
+              <a:pPr>
+                <a:defRPr/>
+              </a:pPr>
               <a:t>‹#›</a:t>
             </a:fld>
             <a:endParaRPr lang="en-US"/>
@@ -2012,7 +2267,7 @@
 </file>
 
 <file path=ppt/slideLayouts/slideLayout8.xml><?xml version="1.0" encoding="utf-8"?>
-<p:sldLayout xmlns:a="http://schemas.openxmlformats.org/drawingml/2006/main" xmlns:r="http://schemas.openxmlformats.org/officeDocument/2006/relationships" xmlns:mc="http://schemas.openxmlformats.org/markup-compatibility/2006" xmlns:mv="urn:schemas-microsoft-com:mac:vml" xmlns:p="http://schemas.openxmlformats.org/presentationml/2006/main" mc:Ignorable="mv" mc:PreserveAttributes="mv:*" type="objTx" preserve="1">
+<p:sldLayout xmlns:a="http://schemas.openxmlformats.org/drawingml/2006/main" xmlns:r="http://schemas.openxmlformats.org/officeDocument/2006/relationships" xmlns:p="http://schemas.openxmlformats.org/presentationml/2006/main" type="objTx" preserve="1">
   <p:cSld name="Content with Caption">
     <p:spTree>
       <p:nvGrpSpPr>
@@ -2212,7 +2467,7 @@
       </p:sp>
       <p:sp>
         <p:nvSpPr>
-          <p:cNvPr id="5" name="Date Placeholder 4"/>
+          <p:cNvPr id="5" name="Date Placeholder 3"/>
           <p:cNvSpPr>
             <a:spLocks noGrp="1"/>
           </p:cNvSpPr>
@@ -2223,12 +2478,21 @@
         <p:spPr/>
         <p:txBody>
           <a:bodyPr/>
-          <a:lstStyle/>
-          <a:p>
-            <a:fld id="{937E53BE-4F8D-4A46-AEB3-F2DF64371628}" type="datetimeFigureOut">
-              <a:rPr lang="en-US" smtClean="0"/>
-              <a:pPr/>
-              <a:t>4/19/11</a:t>
+          <a:lstStyle>
+            <a:lvl1pPr>
+              <a:defRPr/>
+            </a:lvl1pPr>
+          </a:lstStyle>
+          <a:p>
+            <a:pPr>
+              <a:defRPr/>
+            </a:pPr>
+            <a:fld id="{AF293596-E427-4E2A-BD71-0BF8DDDAC61F}" type="datetimeFigureOut">
+              <a:rPr lang="en-US"/>
+              <a:pPr>
+                <a:defRPr/>
+              </a:pPr>
+              <a:t>6/15/2012</a:t>
             </a:fld>
             <a:endParaRPr lang="en-US"/>
           </a:p>
@@ -2236,7 +2500,7 @@
       </p:sp>
       <p:sp>
         <p:nvSpPr>
-          <p:cNvPr id="6" name="Footer Placeholder 5"/>
+          <p:cNvPr id="6" name="Footer Placeholder 4"/>
           <p:cNvSpPr>
             <a:spLocks noGrp="1"/>
           </p:cNvSpPr>
@@ -2247,15 +2511,22 @@
         <p:spPr/>
         <p:txBody>
           <a:bodyPr/>
-          <a:lstStyle/>
-          <a:p>
-            <a:endParaRPr lang="en-US"/>
-          </a:p>
-        </p:txBody>
-      </p:sp>
-      <p:sp>
-        <p:nvSpPr>
-          <p:cNvPr id="7" name="Slide Number Placeholder 6"/>
+          <a:lstStyle>
+            <a:lvl1pPr>
+              <a:defRPr/>
+            </a:lvl1pPr>
+          </a:lstStyle>
+          <a:p>
+            <a:pPr>
+              <a:defRPr/>
+            </a:pPr>
+            <a:endParaRPr lang="en-US"/>
+          </a:p>
+        </p:txBody>
+      </p:sp>
+      <p:sp>
+        <p:nvSpPr>
+          <p:cNvPr id="7" name="Slide Number Placeholder 5"/>
           <p:cNvSpPr>
             <a:spLocks noGrp="1"/>
           </p:cNvSpPr>
@@ -2266,11 +2537,20 @@
         <p:spPr/>
         <p:txBody>
           <a:bodyPr/>
-          <a:lstStyle/>
-          <a:p>
-            <a:fld id="{AF5AAA97-FA48-5342-AAB4-940241EA473E}" type="slidenum">
-              <a:rPr lang="en-US" smtClean="0"/>
-              <a:pPr/>
+          <a:lstStyle>
+            <a:lvl1pPr>
+              <a:defRPr/>
+            </a:lvl1pPr>
+          </a:lstStyle>
+          <a:p>
+            <a:pPr>
+              <a:defRPr/>
+            </a:pPr>
+            <a:fld id="{B36B9D15-A05F-4D05-B06B-3028D850C0AD}" type="slidenum">
+              <a:rPr lang="en-US"/>
+              <a:pPr>
+                <a:defRPr/>
+              </a:pPr>
               <a:t>‹#›</a:t>
             </a:fld>
             <a:endParaRPr lang="en-US"/>
@@ -2286,7 +2566,7 @@
 </file>
 
 <file path=ppt/slideLayouts/slideLayout9.xml><?xml version="1.0" encoding="utf-8"?>
-<p:sldLayout xmlns:a="http://schemas.openxmlformats.org/drawingml/2006/main" xmlns:r="http://schemas.openxmlformats.org/officeDocument/2006/relationships" xmlns:mc="http://schemas.openxmlformats.org/markup-compatibility/2006" xmlns:mv="urn:schemas-microsoft-com:mac:vml" xmlns:p="http://schemas.openxmlformats.org/presentationml/2006/main" mc:Ignorable="mv" mc:PreserveAttributes="mv:*" type="picTx" preserve="1">
+<p:sldLayout xmlns:a="http://schemas.openxmlformats.org/drawingml/2006/main" xmlns:r="http://schemas.openxmlformats.org/officeDocument/2006/relationships" xmlns:p="http://schemas.openxmlformats.org/presentationml/2006/main" type="picTx" preserve="1">
   <p:cSld name="Picture with Caption">
     <p:spTree>
       <p:nvGrpSpPr>
@@ -2351,7 +2631,9 @@
           </a:xfrm>
         </p:spPr>
         <p:txBody>
-          <a:bodyPr/>
+          <a:bodyPr rtlCol="0">
+            <a:normAutofit/>
+          </a:bodyPr>
           <a:lstStyle>
             <a:lvl1pPr marL="0" indent="0">
               <a:buNone/>
@@ -2391,7 +2673,8 @@
             </a:lvl9pPr>
           </a:lstStyle>
           <a:p>
-            <a:endParaRPr lang="en-US"/>
+            <a:pPr lvl="0"/>
+            <a:endParaRPr lang="en-US" noProof="0"/>
           </a:p>
         </p:txBody>
       </p:sp>
@@ -2462,7 +2745,7 @@
       </p:sp>
       <p:sp>
         <p:nvSpPr>
-          <p:cNvPr id="5" name="Date Placeholder 4"/>
+          <p:cNvPr id="5" name="Date Placeholder 3"/>
           <p:cNvSpPr>
             <a:spLocks noGrp="1"/>
           </p:cNvSpPr>
@@ -2473,12 +2756,21 @@
         <p:spPr/>
         <p:txBody>
           <a:bodyPr/>
-          <a:lstStyle/>
-          <a:p>
-            <a:fld id="{937E53BE-4F8D-4A46-AEB3-F2DF64371628}" type="datetimeFigureOut">
-              <a:rPr lang="en-US" smtClean="0"/>
-              <a:pPr/>
-              <a:t>4/19/11</a:t>
+          <a:lstStyle>
+            <a:lvl1pPr>
+              <a:defRPr/>
+            </a:lvl1pPr>
+          </a:lstStyle>
+          <a:p>
+            <a:pPr>
+              <a:defRPr/>
+            </a:pPr>
+            <a:fld id="{AECEA410-76DF-4B24-B1F9-F0630D0ADE7B}" type="datetimeFigureOut">
+              <a:rPr lang="en-US"/>
+              <a:pPr>
+                <a:defRPr/>
+              </a:pPr>
+              <a:t>6/15/2012</a:t>
             </a:fld>
             <a:endParaRPr lang="en-US"/>
           </a:p>
@@ -2486,7 +2778,7 @@
       </p:sp>
       <p:sp>
         <p:nvSpPr>
-          <p:cNvPr id="6" name="Footer Placeholder 5"/>
+          <p:cNvPr id="6" name="Footer Placeholder 4"/>
           <p:cNvSpPr>
             <a:spLocks noGrp="1"/>
           </p:cNvSpPr>
@@ -2497,15 +2789,22 @@
         <p:spPr/>
         <p:txBody>
           <a:bodyPr/>
-          <a:lstStyle/>
-          <a:p>
-            <a:endParaRPr lang="en-US"/>
-          </a:p>
-        </p:txBody>
-      </p:sp>
-      <p:sp>
-        <p:nvSpPr>
-          <p:cNvPr id="7" name="Slide Number Placeholder 6"/>
+          <a:lstStyle>
+            <a:lvl1pPr>
+              <a:defRPr/>
+            </a:lvl1pPr>
+          </a:lstStyle>
+          <a:p>
+            <a:pPr>
+              <a:defRPr/>
+            </a:pPr>
+            <a:endParaRPr lang="en-US"/>
+          </a:p>
+        </p:txBody>
+      </p:sp>
+      <p:sp>
+        <p:nvSpPr>
+          <p:cNvPr id="7" name="Slide Number Placeholder 5"/>
           <p:cNvSpPr>
             <a:spLocks noGrp="1"/>
           </p:cNvSpPr>
@@ -2516,11 +2815,20 @@
         <p:spPr/>
         <p:txBody>
           <a:bodyPr/>
-          <a:lstStyle/>
-          <a:p>
-            <a:fld id="{AF5AAA97-FA48-5342-AAB4-940241EA473E}" type="slidenum">
-              <a:rPr lang="en-US" smtClean="0"/>
-              <a:pPr/>
+          <a:lstStyle>
+            <a:lvl1pPr>
+              <a:defRPr/>
+            </a:lvl1pPr>
+          </a:lstStyle>
+          <a:p>
+            <a:pPr>
+              <a:defRPr/>
+            </a:pPr>
+            <a:fld id="{6BD01624-3E2F-4615-9CC2-C637ADFCB6F6}" type="slidenum">
+              <a:rPr lang="en-US"/>
+              <a:pPr>
+                <a:defRPr/>
+              </a:pPr>
               <a:t>‹#›</a:t>
             </a:fld>
             <a:endParaRPr lang="en-US"/>
@@ -2536,7 +2844,7 @@
 </file>
 
 <file path=ppt/slideMasters/slideMaster1.xml><?xml version="1.0" encoding="utf-8"?>
-<p:sldMaster xmlns:a="http://schemas.openxmlformats.org/drawingml/2006/main" xmlns:r="http://schemas.openxmlformats.org/officeDocument/2006/relationships" xmlns:mc="http://schemas.openxmlformats.org/markup-compatibility/2006" xmlns:mv="urn:schemas-microsoft-com:mac:vml" xmlns:p="http://schemas.openxmlformats.org/presentationml/2006/main" mc:Ignorable="mv" mc:PreserveAttributes="mv:*">
+<p:sldMaster xmlns:a="http://schemas.openxmlformats.org/drawingml/2006/main" xmlns:r="http://schemas.openxmlformats.org/officeDocument/2006/relationships" xmlns:p="http://schemas.openxmlformats.org/presentationml/2006/main">
   <p:cSld>
     <p:bg>
       <p:bgRef idx="1001">
@@ -2559,7 +2867,7 @@
       </p:grpSpPr>
       <p:sp>
         <p:nvSpPr>
-          <p:cNvPr id="2" name="Title Placeholder 1"/>
+          <p:cNvPr id="1026" name="Title Placeholder 1"/>
           <p:cNvSpPr>
             <a:spLocks noGrp="1"/>
           </p:cNvSpPr>
@@ -2567,7 +2875,7 @@
             <p:ph type="title"/>
           </p:nvPr>
         </p:nvSpPr>
-        <p:spPr>
+        <p:spPr bwMode="auto">
           <a:xfrm>
             <a:off x="457200" y="274638"/>
             <a:ext cx="8229600" cy="1143000"/>
@@ -2575,24 +2883,33 @@
           <a:prstGeom prst="rect">
             <a:avLst/>
           </a:prstGeom>
+          <a:noFill/>
+          <a:ln w="9525">
+            <a:noFill/>
+            <a:miter lim="800000"/>
+            <a:headEnd/>
+            <a:tailEnd/>
+          </a:ln>
         </p:spPr>
         <p:txBody>
-          <a:bodyPr vert="horz" lIns="91440" tIns="45720" rIns="91440" bIns="45720" rtlCol="0" anchor="ctr">
-            <a:normAutofit/>
+          <a:bodyPr vert="horz" wrap="square" lIns="91440" tIns="45720" rIns="91440" bIns="45720" numCol="1" anchor="ctr" anchorCtr="0" compatLnSpc="1">
+            <a:prstTxWarp prst="textNoShape">
+              <a:avLst/>
+            </a:prstTxWarp>
           </a:bodyPr>
           <a:lstStyle/>
           <a:p>
+            <a:pPr lvl="0"/>
             <a:r>
               <a:rPr lang="en-US" smtClean="0"/>
               <a:t>Click to edit Master title style</a:t>
             </a:r>
-            <a:endParaRPr lang="en-US"/>
-          </a:p>
-        </p:txBody>
-      </p:sp>
-      <p:sp>
-        <p:nvSpPr>
-          <p:cNvPr id="3" name="Text Placeholder 2"/>
+          </a:p>
+        </p:txBody>
+      </p:sp>
+      <p:sp>
+        <p:nvSpPr>
+          <p:cNvPr id="1027" name="Text Placeholder 2"/>
           <p:cNvSpPr>
             <a:spLocks noGrp="1"/>
           </p:cNvSpPr>
@@ -2600,7 +2917,7 @@
             <p:ph type="body" idx="1"/>
           </p:nvPr>
         </p:nvSpPr>
-        <p:spPr>
+        <p:spPr bwMode="auto">
           <a:xfrm>
             <a:off x="457200" y="1600200"/>
             <a:ext cx="8229600" cy="4525963"/>
@@ -2608,10 +2925,19 @@
           <a:prstGeom prst="rect">
             <a:avLst/>
           </a:prstGeom>
+          <a:noFill/>
+          <a:ln w="9525">
+            <a:noFill/>
+            <a:miter lim="800000"/>
+            <a:headEnd/>
+            <a:tailEnd/>
+          </a:ln>
         </p:spPr>
         <p:txBody>
-          <a:bodyPr vert="horz" lIns="91440" tIns="45720" rIns="91440" bIns="45720" rtlCol="0">
-            <a:normAutofit/>
+          <a:bodyPr vert="horz" wrap="square" lIns="91440" tIns="45720" rIns="91440" bIns="45720" numCol="1" anchor="t" anchorCtr="0" compatLnSpc="1">
+            <a:prstTxWarp prst="textNoShape">
+              <a:avLst/>
+            </a:prstTxWarp>
           </a:bodyPr>
           <a:lstStyle/>
           <a:p>
@@ -2648,7 +2974,6 @@
               <a:rPr lang="en-US" smtClean="0"/>
               <a:t>Fifth level</a:t>
             </a:r>
-            <a:endParaRPr lang="en-US"/>
           </a:p>
         </p:txBody>
       </p:sp>
@@ -2674,21 +2999,34 @@
         <p:txBody>
           <a:bodyPr vert="horz" lIns="91440" tIns="45720" rIns="91440" bIns="45720" rtlCol="0" anchor="ctr"/>
           <a:lstStyle>
-            <a:lvl1pPr algn="l">
-              <a:defRPr sz="1200">
+            <a:lvl1pPr algn="l" fontAlgn="auto">
+              <a:spcBef>
+                <a:spcPts val="0"/>
+              </a:spcBef>
+              <a:spcAft>
+                <a:spcPts val="0"/>
+              </a:spcAft>
+              <a:defRPr sz="1200" smtClean="0">
                 <a:solidFill>
                   <a:schemeClr val="tx1">
                     <a:tint val="75000"/>
                   </a:schemeClr>
                 </a:solidFill>
+                <a:latin typeface="+mn-lt"/>
+                <a:cs typeface="+mn-cs"/>
               </a:defRPr>
             </a:lvl1pPr>
           </a:lstStyle>
           <a:p>
-            <a:fld id="{937E53BE-4F8D-4A46-AEB3-F2DF64371628}" type="datetimeFigureOut">
-              <a:rPr lang="en-US" smtClean="0"/>
-              <a:pPr/>
-              <a:t>4/19/11</a:t>
+            <a:pPr>
+              <a:defRPr/>
+            </a:pPr>
+            <a:fld id="{25004A1D-5436-4425-B770-8E404D3BD1EA}" type="datetimeFigureOut">
+              <a:rPr lang="en-US"/>
+              <a:pPr>
+                <a:defRPr/>
+              </a:pPr>
+              <a:t>6/15/2012</a:t>
             </a:fld>
             <a:endParaRPr lang="en-US"/>
           </a:p>
@@ -2716,17 +3054,28 @@
         <p:txBody>
           <a:bodyPr vert="horz" lIns="91440" tIns="45720" rIns="91440" bIns="45720" rtlCol="0" anchor="ctr"/>
           <a:lstStyle>
-            <a:lvl1pPr algn="ctr">
+            <a:lvl1pPr algn="ctr" fontAlgn="auto">
+              <a:spcBef>
+                <a:spcPts val="0"/>
+              </a:spcBef>
+              <a:spcAft>
+                <a:spcPts val="0"/>
+              </a:spcAft>
               <a:defRPr sz="1200">
                 <a:solidFill>
                   <a:schemeClr val="tx1">
                     <a:tint val="75000"/>
                   </a:schemeClr>
                 </a:solidFill>
+                <a:latin typeface="+mn-lt"/>
+                <a:cs typeface="+mn-cs"/>
               </a:defRPr>
             </a:lvl1pPr>
           </a:lstStyle>
           <a:p>
+            <a:pPr>
+              <a:defRPr/>
+            </a:pPr>
             <a:endParaRPr lang="en-US"/>
           </a:p>
         </p:txBody>
@@ -2753,20 +3102,33 @@
         <p:txBody>
           <a:bodyPr vert="horz" lIns="91440" tIns="45720" rIns="91440" bIns="45720" rtlCol="0" anchor="ctr"/>
           <a:lstStyle>
-            <a:lvl1pPr algn="r">
-              <a:defRPr sz="1200">
+            <a:lvl1pPr algn="r" fontAlgn="auto">
+              <a:spcBef>
+                <a:spcPts val="0"/>
+              </a:spcBef>
+              <a:spcAft>
+                <a:spcPts val="0"/>
+              </a:spcAft>
+              <a:defRPr sz="1200" smtClean="0">
                 <a:solidFill>
                   <a:schemeClr val="tx1">
                     <a:tint val="75000"/>
                   </a:schemeClr>
                 </a:solidFill>
+                <a:latin typeface="+mn-lt"/>
+                <a:cs typeface="+mn-cs"/>
               </a:defRPr>
             </a:lvl1pPr>
           </a:lstStyle>
           <a:p>
-            <a:fld id="{AF5AAA97-FA48-5342-AAB4-940241EA473E}" type="slidenum">
-              <a:rPr lang="en-US" smtClean="0"/>
-              <a:pPr/>
+            <a:pPr>
+              <a:defRPr/>
+            </a:pPr>
+            <a:fld id="{0F52871A-AFF2-479B-A288-35E0937311E1}" type="slidenum">
+              <a:rPr lang="en-US"/>
+              <a:pPr>
+                <a:defRPr/>
+              </a:pPr>
               <a:t>‹#›</a:t>
             </a:fld>
             <a:endParaRPr lang="en-US"/>
@@ -2777,25 +3139,27 @@
   </p:cSld>
   <p:clrMap bg1="lt1" tx1="dk1" bg2="lt2" tx2="dk2" accent1="accent1" accent2="accent2" accent3="accent3" accent4="accent4" accent5="accent5" accent6="accent6" hlink="hlink" folHlink="folHlink"/>
   <p:sldLayoutIdLst>
-    <p:sldLayoutId id="2147483649" r:id="rId1"/>
-    <p:sldLayoutId id="2147483650" r:id="rId2"/>
-    <p:sldLayoutId id="2147483651" r:id="rId3"/>
-    <p:sldLayoutId id="2147483652" r:id="rId4"/>
-    <p:sldLayoutId id="2147483653" r:id="rId5"/>
+    <p:sldLayoutId id="2147483659" r:id="rId1"/>
+    <p:sldLayoutId id="2147483658" r:id="rId2"/>
+    <p:sldLayoutId id="2147483657" r:id="rId3"/>
+    <p:sldLayoutId id="2147483656" r:id="rId4"/>
+    <p:sldLayoutId id="2147483655" r:id="rId5"/>
     <p:sldLayoutId id="2147483654" r:id="rId6"/>
-    <p:sldLayoutId id="2147483655" r:id="rId7"/>
-    <p:sldLayoutId id="2147483656" r:id="rId8"/>
-    <p:sldLayoutId id="2147483657" r:id="rId9"/>
-    <p:sldLayoutId id="2147483658" r:id="rId10"/>
-    <p:sldLayoutId id="2147483659" r:id="rId11"/>
+    <p:sldLayoutId id="2147483653" r:id="rId7"/>
+    <p:sldLayoutId id="2147483652" r:id="rId8"/>
+    <p:sldLayoutId id="2147483651" r:id="rId9"/>
+    <p:sldLayoutId id="2147483650" r:id="rId10"/>
+    <p:sldLayoutId id="2147483649" r:id="rId11"/>
   </p:sldLayoutIdLst>
   <p:txStyles>
     <p:titleStyle>
-      <a:lvl1pPr algn="ctr" defTabSz="457200" rtl="0" eaLnBrk="1" latinLnBrk="0" hangingPunct="1">
+      <a:lvl1pPr algn="ctr" defTabSz="457200" rtl="0" fontAlgn="base">
         <a:spcBef>
           <a:spcPct val="0"/>
         </a:spcBef>
-        <a:buNone/>
+        <a:spcAft>
+          <a:spcPct val="0"/>
+        </a:spcAft>
         <a:defRPr sz="4400" kern="1200">
           <a:solidFill>
             <a:schemeClr val="tx1"/>
@@ -2805,13 +3169,128 @@
           <a:cs typeface="+mj-cs"/>
         </a:defRPr>
       </a:lvl1pPr>
+      <a:lvl2pPr algn="ctr" defTabSz="457200" rtl="0" fontAlgn="base">
+        <a:spcBef>
+          <a:spcPct val="0"/>
+        </a:spcBef>
+        <a:spcAft>
+          <a:spcPct val="0"/>
+        </a:spcAft>
+        <a:defRPr sz="4400">
+          <a:solidFill>
+            <a:schemeClr val="tx1"/>
+          </a:solidFill>
+          <a:latin typeface="Calibri" pitchFamily="34" charset="0"/>
+        </a:defRPr>
+      </a:lvl2pPr>
+      <a:lvl3pPr algn="ctr" defTabSz="457200" rtl="0" fontAlgn="base">
+        <a:spcBef>
+          <a:spcPct val="0"/>
+        </a:spcBef>
+        <a:spcAft>
+          <a:spcPct val="0"/>
+        </a:spcAft>
+        <a:defRPr sz="4400">
+          <a:solidFill>
+            <a:schemeClr val="tx1"/>
+          </a:solidFill>
+          <a:latin typeface="Calibri" pitchFamily="34" charset="0"/>
+        </a:defRPr>
+      </a:lvl3pPr>
+      <a:lvl4pPr algn="ctr" defTabSz="457200" rtl="0" fontAlgn="base">
+        <a:spcBef>
+          <a:spcPct val="0"/>
+        </a:spcBef>
+        <a:spcAft>
+          <a:spcPct val="0"/>
+        </a:spcAft>
+        <a:defRPr sz="4400">
+          <a:solidFill>
+            <a:schemeClr val="tx1"/>
+          </a:solidFill>
+          <a:latin typeface="Calibri" pitchFamily="34" charset="0"/>
+        </a:defRPr>
+      </a:lvl4pPr>
+      <a:lvl5pPr algn="ctr" defTabSz="457200" rtl="0" fontAlgn="base">
+        <a:spcBef>
+          <a:spcPct val="0"/>
+        </a:spcBef>
+        <a:spcAft>
+          <a:spcPct val="0"/>
+        </a:spcAft>
+        <a:defRPr sz="4400">
+          <a:solidFill>
+            <a:schemeClr val="tx1"/>
+          </a:solidFill>
+          <a:latin typeface="Calibri" pitchFamily="34" charset="0"/>
+        </a:defRPr>
+      </a:lvl5pPr>
+      <a:lvl6pPr marL="457200" algn="ctr" defTabSz="457200" rtl="0" fontAlgn="base">
+        <a:spcBef>
+          <a:spcPct val="0"/>
+        </a:spcBef>
+        <a:spcAft>
+          <a:spcPct val="0"/>
+        </a:spcAft>
+        <a:defRPr sz="4400">
+          <a:solidFill>
+            <a:schemeClr val="tx1"/>
+          </a:solidFill>
+          <a:latin typeface="Calibri" pitchFamily="34" charset="0"/>
+        </a:defRPr>
+      </a:lvl6pPr>
+      <a:lvl7pPr marL="914400" algn="ctr" defTabSz="457200" rtl="0" fontAlgn="base">
+        <a:spcBef>
+          <a:spcPct val="0"/>
+        </a:spcBef>
+        <a:spcAft>
+          <a:spcPct val="0"/>
+        </a:spcAft>
+        <a:defRPr sz="4400">
+          <a:solidFill>
+            <a:schemeClr val="tx1"/>
+          </a:solidFill>
+          <a:latin typeface="Calibri" pitchFamily="34" charset="0"/>
+        </a:defRPr>
+      </a:lvl7pPr>
+      <a:lvl8pPr marL="1371600" algn="ctr" defTabSz="457200" rtl="0" fontAlgn="base">
+        <a:spcBef>
+          <a:spcPct val="0"/>
+        </a:spcBef>
+        <a:spcAft>
+          <a:spcPct val="0"/>
+        </a:spcAft>
+        <a:defRPr sz="4400">
+          <a:solidFill>
+            <a:schemeClr val="tx1"/>
+          </a:solidFill>
+          <a:latin typeface="Calibri" pitchFamily="34" charset="0"/>
+        </a:defRPr>
+      </a:lvl8pPr>
+      <a:lvl9pPr marL="1828800" algn="ctr" defTabSz="457200" rtl="0" fontAlgn="base">
+        <a:spcBef>
+          <a:spcPct val="0"/>
+        </a:spcBef>
+        <a:spcAft>
+          <a:spcPct val="0"/>
+        </a:spcAft>
+        <a:defRPr sz="4400">
+          <a:solidFill>
+            <a:schemeClr val="tx1"/>
+          </a:solidFill>
+          <a:latin typeface="Calibri" pitchFamily="34" charset="0"/>
+        </a:defRPr>
+      </a:lvl9pPr>
     </p:titleStyle>
     <p:bodyStyle>
-      <a:lvl1pPr marL="342900" indent="-342900" algn="l" defTabSz="457200" rtl="0" eaLnBrk="1" latinLnBrk="0" hangingPunct="1">
+      <a:lvl1pPr marL="342900" indent="-342900" algn="l" defTabSz="457200" rtl="0" fontAlgn="base">
         <a:spcBef>
           <a:spcPct val="20000"/>
         </a:spcBef>
-        <a:buFont typeface="Arial"/>
+        <a:spcAft>
+          <a:spcPct val="0"/>
+        </a:spcAft>
+        <a:buFont typeface="Arial" charset="0"/>
         <a:buChar char="•"/>
         <a:defRPr sz="3200" kern="1200">
           <a:solidFill>
@@ -2822,11 +3301,14 @@
           <a:cs typeface="+mn-cs"/>
         </a:defRPr>
       </a:lvl1pPr>
-      <a:lvl2pPr marL="742950" indent="-285750" algn="l" defTabSz="457200" rtl="0" eaLnBrk="1" latinLnBrk="0" hangingPunct="1">
+      <a:lvl2pPr marL="742950" indent="-285750" algn="l" defTabSz="457200" rtl="0" fontAlgn="base">
         <a:spcBef>
           <a:spcPct val="20000"/>
         </a:spcBef>
-        <a:buFont typeface="Arial"/>
+        <a:spcAft>
+          <a:spcPct val="0"/>
+        </a:spcAft>
+        <a:buFont typeface="Arial" charset="0"/>
         <a:buChar char="–"/>
         <a:defRPr sz="2800" kern="1200">
           <a:solidFill>
@@ -2837,11 +3319,14 @@
           <a:cs typeface="+mn-cs"/>
         </a:defRPr>
       </a:lvl2pPr>
-      <a:lvl3pPr marL="1143000" indent="-228600" algn="l" defTabSz="457200" rtl="0" eaLnBrk="1" latinLnBrk="0" hangingPunct="1">
+      <a:lvl3pPr marL="1143000" indent="-228600" algn="l" defTabSz="457200" rtl="0" fontAlgn="base">
         <a:spcBef>
           <a:spcPct val="20000"/>
         </a:spcBef>
-        <a:buFont typeface="Arial"/>
+        <a:spcAft>
+          <a:spcPct val="0"/>
+        </a:spcAft>
+        <a:buFont typeface="Arial" charset="0"/>
         <a:buChar char="•"/>
         <a:defRPr sz="2400" kern="1200">
           <a:solidFill>
@@ -2852,11 +3337,14 @@
           <a:cs typeface="+mn-cs"/>
         </a:defRPr>
       </a:lvl3pPr>
-      <a:lvl4pPr marL="1600200" indent="-228600" algn="l" defTabSz="457200" rtl="0" eaLnBrk="1" latinLnBrk="0" hangingPunct="1">
+      <a:lvl4pPr marL="1600200" indent="-228600" algn="l" defTabSz="457200" rtl="0" fontAlgn="base">
         <a:spcBef>
           <a:spcPct val="20000"/>
         </a:spcBef>
-        <a:buFont typeface="Arial"/>
+        <a:spcAft>
+          <a:spcPct val="0"/>
+        </a:spcAft>
+        <a:buFont typeface="Arial" charset="0"/>
         <a:buChar char="–"/>
         <a:defRPr sz="2000" kern="1200">
           <a:solidFill>
@@ -2867,11 +3355,14 @@
           <a:cs typeface="+mn-cs"/>
         </a:defRPr>
       </a:lvl4pPr>
-      <a:lvl5pPr marL="2057400" indent="-228600" algn="l" defTabSz="457200" rtl="0" eaLnBrk="1" latinLnBrk="0" hangingPunct="1">
+      <a:lvl5pPr marL="2057400" indent="-228600" algn="l" defTabSz="457200" rtl="0" fontAlgn="base">
         <a:spcBef>
           <a:spcPct val="20000"/>
         </a:spcBef>
-        <a:buFont typeface="Arial"/>
+        <a:spcAft>
+          <a:spcPct val="0"/>
+        </a:spcAft>
+        <a:buFont typeface="Arial" charset="0"/>
         <a:buChar char="»"/>
         <a:defRPr sz="2000" kern="1200">
           <a:solidFill>
@@ -3043,7 +3534,7 @@
 </file>
 
 <file path=ppt/slides/slide1.xml><?xml version="1.0" encoding="utf-8"?>
-<p:sld xmlns:a="http://schemas.openxmlformats.org/drawingml/2006/main" xmlns:r="http://schemas.openxmlformats.org/officeDocument/2006/relationships" xmlns:mc="http://schemas.openxmlformats.org/markup-compatibility/2006" xmlns:mv="urn:schemas-microsoft-com:mac:vml" xmlns:p="http://schemas.openxmlformats.org/presentationml/2006/main" mc:Ignorable="mv" mc:PreserveAttributes="mv:*">
+<p:sld xmlns:a="http://schemas.openxmlformats.org/drawingml/2006/main" xmlns:r="http://schemas.openxmlformats.org/officeDocument/2006/relationships" xmlns:p="http://schemas.openxmlformats.org/presentationml/2006/main">
   <p:cSld>
     <p:spTree>
       <p:nvGrpSpPr>
@@ -3067,8 +3558,8 @@
         </p:nvSpPr>
         <p:spPr>
           <a:xfrm>
-            <a:off x="3323812" y="2589631"/>
-            <a:ext cx="2262860" cy="853588"/>
+            <a:off x="3324225" y="2589213"/>
+            <a:ext cx="2262188" cy="854075"/>
           </a:xfrm>
           <a:prstGeom prst="pentagon">
             <a:avLst/>
@@ -3095,10 +3586,18 @@
           </a:fontRef>
         </p:style>
         <p:txBody>
-          <a:bodyPr rtlCol="0" anchor="ctr"/>
+          <a:bodyPr anchor="ctr"/>
           <a:lstStyle/>
           <a:p>
-            <a:pPr algn="ctr"/>
+            <a:pPr algn="ctr" fontAlgn="auto">
+              <a:spcBef>
+                <a:spcPts val="0"/>
+              </a:spcBef>
+              <a:spcAft>
+                <a:spcPts val="0"/>
+              </a:spcAft>
+              <a:defRPr/>
+            </a:pPr>
             <a:endParaRPr lang="en-US" sz="1400"/>
           </a:p>
         </p:txBody>
@@ -3111,8 +3610,8 @@
         </p:nvSpPr>
         <p:spPr>
           <a:xfrm>
-            <a:off x="3622691" y="4363016"/>
-            <a:ext cx="1785010" cy="593704"/>
+            <a:off x="3622675" y="4362450"/>
+            <a:ext cx="1784350" cy="593725"/>
           </a:xfrm>
           <a:prstGeom prst="rect">
             <a:avLst/>
@@ -3139,10 +3638,18 @@
           </a:fontRef>
         </p:style>
         <p:txBody>
-          <a:bodyPr rtlCol="0" anchor="ctr"/>
+          <a:bodyPr anchor="ctr"/>
           <a:lstStyle/>
           <a:p>
-            <a:pPr algn="ctr"/>
+            <a:pPr algn="ctr" fontAlgn="auto">
+              <a:spcBef>
+                <a:spcPts val="0"/>
+              </a:spcBef>
+              <a:spcAft>
+                <a:spcPts val="0"/>
+              </a:spcAft>
+              <a:defRPr/>
+            </a:pPr>
             <a:endParaRPr lang="en-US" sz="1400"/>
           </a:p>
         </p:txBody>
@@ -3157,8 +3664,8 @@
         </p:nvCxnSpPr>
         <p:spPr>
           <a:xfrm rot="5400000">
-            <a:off x="4095556" y="2229944"/>
-            <a:ext cx="719373" cy="1588"/>
+            <a:off x="4095750" y="2230438"/>
+            <a:ext cx="719137" cy="1588"/>
           </a:xfrm>
           <a:prstGeom prst="straightConnector1">
             <a:avLst/>
@@ -3190,14 +3697,14 @@
           <p:cNvPr id="14" name="Straight Arrow Connector 13"/>
           <p:cNvCxnSpPr>
             <a:stCxn id="7" idx="3"/>
-            <a:endCxn id="28" idx="0"/>
+            <a:endCxn id="13317" idx="0"/>
           </p:cNvCxnSpPr>
           <p:nvPr/>
         </p:nvCxnSpPr>
         <p:spPr>
           <a:xfrm rot="16200000" flipH="1">
-            <a:off x="3984699" y="3913761"/>
-            <a:ext cx="941880" cy="795"/>
+            <a:off x="3984625" y="3913188"/>
+            <a:ext cx="941387" cy="1588"/>
           </a:xfrm>
           <a:prstGeom prst="straightConnector1">
             <a:avLst/>
@@ -3226,186 +3733,226 @@
       </p:cxnSp>
       <p:sp>
         <p:nvSpPr>
-          <p:cNvPr id="28" name="TextBox 27"/>
-          <p:cNvSpPr txBox="1"/>
+          <p:cNvPr id="13317" name="TextBox 27"/>
+          <p:cNvSpPr txBox="1">
+            <a:spLocks noChangeArrowheads="1"/>
+          </p:cNvSpPr>
           <p:nvPr/>
         </p:nvSpPr>
-        <p:spPr>
+        <p:spPr bwMode="auto">
           <a:xfrm>
-            <a:off x="3721884" y="4385099"/>
-            <a:ext cx="1468306" cy="523220"/>
+            <a:off x="3721100" y="4384675"/>
+            <a:ext cx="1468438" cy="523875"/>
           </a:xfrm>
           <a:prstGeom prst="rect">
             <a:avLst/>
           </a:prstGeom>
           <a:noFill/>
+          <a:ln w="9525">
+            <a:noFill/>
+            <a:miter lim="800000"/>
+            <a:headEnd/>
+            <a:tailEnd/>
+          </a:ln>
         </p:spPr>
         <p:txBody>
-          <a:bodyPr wrap="square" rtlCol="0">
+          <a:bodyPr>
             <a:spAutoFit/>
           </a:bodyPr>
           <a:lstStyle/>
           <a:p>
             <a:r>
-              <a:rPr lang="en-US" sz="1400" dirty="0" smtClean="0"/>
+              <a:rPr lang="en-US" sz="1400">
+                <a:latin typeface="Calibri" pitchFamily="34" charset="0"/>
+              </a:rPr>
               <a:t>         Supplier</a:t>
             </a:r>
           </a:p>
           <a:p>
             <a:r>
-              <a:rPr lang="en-US" sz="1400" i="1" dirty="0" smtClean="0"/>
+              <a:rPr lang="en-US" sz="1400" i="1">
+                <a:latin typeface="Calibri" pitchFamily="34" charset="0"/>
+              </a:rPr>
               <a:t>        x400,000 </a:t>
             </a:r>
-            <a:endParaRPr lang="en-US" sz="1400" i="1" dirty="0"/>
-          </a:p>
-        </p:txBody>
-      </p:sp>
-      <p:sp>
-        <p:nvSpPr>
-          <p:cNvPr id="36" name="TextBox 35"/>
-          <p:cNvSpPr txBox="1"/>
+          </a:p>
+        </p:txBody>
+      </p:sp>
+      <p:sp>
+        <p:nvSpPr>
+          <p:cNvPr id="13318" name="TextBox 35"/>
+          <p:cNvSpPr txBox="1">
+            <a:spLocks noChangeArrowheads="1"/>
+          </p:cNvSpPr>
           <p:nvPr/>
         </p:nvSpPr>
-        <p:spPr>
+        <p:spPr bwMode="auto">
           <a:xfrm>
-            <a:off x="4456037" y="1993368"/>
-            <a:ext cx="775435" cy="307777"/>
+            <a:off x="4456113" y="1993900"/>
+            <a:ext cx="274637" cy="304800"/>
           </a:xfrm>
           <a:prstGeom prst="rect">
             <a:avLst/>
           </a:prstGeom>
           <a:noFill/>
+          <a:ln w="9525">
+            <a:noFill/>
+            <a:miter lim="800000"/>
+            <a:headEnd/>
+            <a:tailEnd/>
+          </a:ln>
         </p:spPr>
         <p:txBody>
-          <a:bodyPr wrap="none" rtlCol="0">
+          <a:bodyPr wrap="none">
             <a:spAutoFit/>
           </a:bodyPr>
           <a:lstStyle/>
           <a:p>
             <a:r>
-              <a:rPr lang="en-US" sz="1400" dirty="0" smtClean="0"/>
-              <a:t>100,000</a:t>
-            </a:r>
-            <a:endParaRPr lang="en-US" sz="1400" dirty="0"/>
-          </a:p>
-        </p:txBody>
-      </p:sp>
-      <p:sp>
-        <p:nvSpPr>
-          <p:cNvPr id="37" name="TextBox 36"/>
-          <p:cNvSpPr txBox="1"/>
+              <a:rPr lang="en-US" sz="1400">
+                <a:latin typeface="Calibri" pitchFamily="34" charset="0"/>
+              </a:rPr>
+              <a:t>1</a:t>
+            </a:r>
+          </a:p>
+        </p:txBody>
+      </p:sp>
+      <p:sp>
+        <p:nvSpPr>
+          <p:cNvPr id="13319" name="TextBox 36"/>
+          <p:cNvSpPr txBox="1">
+            <a:spLocks noChangeArrowheads="1"/>
+          </p:cNvSpPr>
           <p:nvPr/>
         </p:nvSpPr>
-        <p:spPr>
+        <p:spPr bwMode="auto">
           <a:xfrm>
-            <a:off x="4454448" y="3812552"/>
-            <a:ext cx="275661" cy="307777"/>
+            <a:off x="4454525" y="3813175"/>
+            <a:ext cx="276225" cy="306388"/>
           </a:xfrm>
           <a:prstGeom prst="rect">
             <a:avLst/>
           </a:prstGeom>
           <a:noFill/>
+          <a:ln w="9525">
+            <a:noFill/>
+            <a:miter lim="800000"/>
+            <a:headEnd/>
+            <a:tailEnd/>
+          </a:ln>
         </p:spPr>
         <p:txBody>
-          <a:bodyPr wrap="none" rtlCol="0">
+          <a:bodyPr wrap="none">
             <a:spAutoFit/>
           </a:bodyPr>
           <a:lstStyle/>
           <a:p>
             <a:r>
-              <a:rPr lang="en-US" sz="1400" dirty="0" smtClean="0"/>
+              <a:rPr lang="en-US" sz="1400">
+                <a:latin typeface="Calibri" pitchFamily="34" charset="0"/>
+              </a:rPr>
               <a:t>4</a:t>
             </a:r>
-            <a:endParaRPr lang="en-US" sz="1400" dirty="0"/>
-          </a:p>
-        </p:txBody>
-      </p:sp>
-      <p:sp>
-        <p:nvSpPr>
-          <p:cNvPr id="33" name="TextBox 32"/>
-          <p:cNvSpPr txBox="1"/>
+          </a:p>
+        </p:txBody>
+      </p:sp>
+      <p:sp>
+        <p:nvSpPr>
+          <p:cNvPr id="13320" name="TextBox 32"/>
+          <p:cNvSpPr txBox="1">
+            <a:spLocks noChangeArrowheads="1"/>
+          </p:cNvSpPr>
           <p:nvPr/>
         </p:nvSpPr>
-        <p:spPr>
+        <p:spPr bwMode="auto">
           <a:xfrm>
-            <a:off x="3581336" y="2817484"/>
-            <a:ext cx="1821445" cy="523220"/>
+            <a:off x="3581400" y="2817813"/>
+            <a:ext cx="1582738" cy="517525"/>
           </a:xfrm>
           <a:prstGeom prst="rect">
             <a:avLst/>
           </a:prstGeom>
           <a:noFill/>
+          <a:ln w="9525">
+            <a:noFill/>
+            <a:miter lim="800000"/>
+            <a:headEnd/>
+            <a:tailEnd/>
+          </a:ln>
         </p:spPr>
         <p:txBody>
-          <a:bodyPr wrap="none" rtlCol="0">
+          <a:bodyPr wrap="none">
             <a:spAutoFit/>
           </a:bodyPr>
           <a:lstStyle/>
           <a:p>
             <a:r>
-              <a:rPr lang="en-US" sz="1400" dirty="0" smtClean="0"/>
-              <a:t>         </a:t>
-            </a:r>
-            <a:r>
-              <a:rPr lang="en-US" sz="1400" dirty="0" err="1" smtClean="0"/>
-              <a:t>HashSet</a:t>
-            </a:r>
-            <a:endParaRPr lang="en-US" sz="1400" dirty="0" smtClean="0"/>
-          </a:p>
-          <a:p>
-            <a:r>
-              <a:rPr lang="en-US" sz="1400" i="1" dirty="0" smtClean="0"/>
-              <a:t>x</a:t>
-            </a:r>
-            <a:r>
-              <a:rPr lang="en-US" sz="1400" i="1" dirty="0" smtClean="0"/>
-              <a:t>100,000 </a:t>
-            </a:r>
-            <a:r>
-              <a:rPr lang="en-US" sz="1400" i="1" dirty="0" smtClean="0"/>
-              <a:t>= 22.125MB</a:t>
-            </a:r>
-            <a:endParaRPr lang="en-US" sz="1400" i="1" dirty="0"/>
-          </a:p>
-        </p:txBody>
-      </p:sp>
-      <p:sp>
-        <p:nvSpPr>
-          <p:cNvPr id="47" name="TextBox 46"/>
-          <p:cNvSpPr txBox="1"/>
+              <a:rPr lang="en-US" sz="1400">
+                <a:latin typeface="Calibri" pitchFamily="34" charset="0"/>
+              </a:rPr>
+              <a:t>         HashSet</a:t>
+            </a:r>
+          </a:p>
+          <a:p>
+            <a:r>
+              <a:rPr lang="en-US" sz="1400" i="1">
+                <a:latin typeface="Calibri" pitchFamily="34" charset="0"/>
+              </a:rPr>
+              <a:t>x100,000 = 22.1MB</a:t>
+            </a:r>
+          </a:p>
+        </p:txBody>
+      </p:sp>
+      <p:sp>
+        <p:nvSpPr>
+          <p:cNvPr id="13321" name="TextBox 46"/>
+          <p:cNvSpPr txBox="1">
+            <a:spLocks noChangeArrowheads="1"/>
+          </p:cNvSpPr>
           <p:nvPr/>
         </p:nvSpPr>
-        <p:spPr>
+        <p:spPr bwMode="auto">
           <a:xfrm>
-            <a:off x="3622691" y="1277347"/>
-            <a:ext cx="1202974" cy="523220"/>
+            <a:off x="3622675" y="1277938"/>
+            <a:ext cx="1203325" cy="522287"/>
           </a:xfrm>
           <a:prstGeom prst="rect">
             <a:avLst/>
           </a:prstGeom>
           <a:noFill/>
+          <a:ln w="9525">
+            <a:noFill/>
+            <a:miter lim="800000"/>
+            <a:headEnd/>
+            <a:tailEnd/>
+          </a:ln>
         </p:spPr>
         <p:txBody>
-          <a:bodyPr wrap="none" rtlCol="0">
+          <a:bodyPr wrap="none">
             <a:spAutoFit/>
           </a:bodyPr>
           <a:lstStyle/>
           <a:p>
             <a:r>
-              <a:rPr lang="en-US" sz="1400" dirty="0" smtClean="0"/>
+              <a:rPr lang="en-US" sz="1400">
+                <a:latin typeface="Calibri" pitchFamily="34" charset="0"/>
+              </a:rPr>
               <a:t>         Product</a:t>
             </a:r>
           </a:p>
           <a:p>
             <a:r>
-              <a:rPr lang="en-US" sz="1400" dirty="0" smtClean="0"/>
+              <a:rPr lang="en-US" sz="1400">
+                <a:latin typeface="Calibri" pitchFamily="34" charset="0"/>
+              </a:rPr>
               <a:t>        x</a:t>
             </a:r>
             <a:r>
-              <a:rPr lang="en-US" sz="1400" i="1" dirty="0" smtClean="0"/>
+              <a:rPr lang="en-US" sz="1400" i="1">
+                <a:latin typeface="Calibri" pitchFamily="34" charset="0"/>
+              </a:rPr>
               <a:t>100,000 </a:t>
             </a:r>
-            <a:endParaRPr lang="en-US" sz="1400" i="1" dirty="0"/>
           </a:p>
         </p:txBody>
       </p:sp>
@@ -3417,8 +3964,8 @@
         </p:nvSpPr>
         <p:spPr>
           <a:xfrm>
-            <a:off x="3472358" y="1277347"/>
-            <a:ext cx="1836872" cy="593704"/>
+            <a:off x="3471863" y="1277938"/>
+            <a:ext cx="1836737" cy="593725"/>
           </a:xfrm>
           <a:prstGeom prst="rect">
             <a:avLst/>
@@ -3445,10 +3992,18 @@
           </a:fontRef>
         </p:style>
         <p:txBody>
-          <a:bodyPr rtlCol="0" anchor="ctr"/>
+          <a:bodyPr anchor="ctr"/>
           <a:lstStyle/>
           <a:p>
-            <a:pPr algn="ctr"/>
+            <a:pPr algn="ctr" fontAlgn="auto">
+              <a:spcBef>
+                <a:spcPts val="0"/>
+              </a:spcBef>
+              <a:spcAft>
+                <a:spcPts val="0"/>
+              </a:spcAft>
+              <a:defRPr/>
+            </a:pPr>
             <a:endParaRPr lang="en-US" sz="1400"/>
           </a:p>
         </p:txBody>
